--- a/Новий Презентация Microsoft PowerPoint.pptx
+++ b/Новий Презентация Microsoft PowerPoint.pptx
@@ -248,7 +248,7 @@
           <a:p>
             <a:fld id="{AE2C9CB1-3DE7-45D7-BF56-8CB768255808}" type="datetimeFigureOut">
               <a:rPr lang="uk-UA" smtClean="0"/>
-              <a:t>02.02.2018</a:t>
+              <a:t>10.02.2018</a:t>
             </a:fld>
             <a:endParaRPr lang="uk-UA"/>
           </a:p>
@@ -290,7 +290,7 @@
           <a:p>
             <a:fld id="{754F6729-4F87-45AF-98E0-1149DBD87F45}" type="slidenum">
               <a:rPr lang="uk-UA" smtClean="0"/>
-              <a:t>‹#›</a:t>
+              <a:t>‹№›</a:t>
             </a:fld>
             <a:endParaRPr lang="uk-UA"/>
           </a:p>
@@ -418,7 +418,7 @@
           <a:p>
             <a:fld id="{AE2C9CB1-3DE7-45D7-BF56-8CB768255808}" type="datetimeFigureOut">
               <a:rPr lang="uk-UA" smtClean="0"/>
-              <a:t>02.02.2018</a:t>
+              <a:t>10.02.2018</a:t>
             </a:fld>
             <a:endParaRPr lang="uk-UA"/>
           </a:p>
@@ -460,7 +460,7 @@
           <a:p>
             <a:fld id="{754F6729-4F87-45AF-98E0-1149DBD87F45}" type="slidenum">
               <a:rPr lang="uk-UA" smtClean="0"/>
-              <a:t>‹#›</a:t>
+              <a:t>‹№›</a:t>
             </a:fld>
             <a:endParaRPr lang="uk-UA"/>
           </a:p>
@@ -598,7 +598,7 @@
           <a:p>
             <a:fld id="{AE2C9CB1-3DE7-45D7-BF56-8CB768255808}" type="datetimeFigureOut">
               <a:rPr lang="uk-UA" smtClean="0"/>
-              <a:t>02.02.2018</a:t>
+              <a:t>10.02.2018</a:t>
             </a:fld>
             <a:endParaRPr lang="uk-UA"/>
           </a:p>
@@ -640,7 +640,7 @@
           <a:p>
             <a:fld id="{754F6729-4F87-45AF-98E0-1149DBD87F45}" type="slidenum">
               <a:rPr lang="uk-UA" smtClean="0"/>
-              <a:t>‹#›</a:t>
+              <a:t>‹№›</a:t>
             </a:fld>
             <a:endParaRPr lang="uk-UA"/>
           </a:p>
@@ -768,7 +768,7 @@
           <a:p>
             <a:fld id="{AE2C9CB1-3DE7-45D7-BF56-8CB768255808}" type="datetimeFigureOut">
               <a:rPr lang="uk-UA" smtClean="0"/>
-              <a:t>02.02.2018</a:t>
+              <a:t>10.02.2018</a:t>
             </a:fld>
             <a:endParaRPr lang="uk-UA"/>
           </a:p>
@@ -810,7 +810,7 @@
           <a:p>
             <a:fld id="{754F6729-4F87-45AF-98E0-1149DBD87F45}" type="slidenum">
               <a:rPr lang="uk-UA" smtClean="0"/>
-              <a:t>‹#›</a:t>
+              <a:t>‹№›</a:t>
             </a:fld>
             <a:endParaRPr lang="uk-UA"/>
           </a:p>
@@ -1014,7 +1014,7 @@
           <a:p>
             <a:fld id="{AE2C9CB1-3DE7-45D7-BF56-8CB768255808}" type="datetimeFigureOut">
               <a:rPr lang="uk-UA" smtClean="0"/>
-              <a:t>02.02.2018</a:t>
+              <a:t>10.02.2018</a:t>
             </a:fld>
             <a:endParaRPr lang="uk-UA"/>
           </a:p>
@@ -1056,7 +1056,7 @@
           <a:p>
             <a:fld id="{754F6729-4F87-45AF-98E0-1149DBD87F45}" type="slidenum">
               <a:rPr lang="uk-UA" smtClean="0"/>
-              <a:t>‹#›</a:t>
+              <a:t>‹№›</a:t>
             </a:fld>
             <a:endParaRPr lang="uk-UA"/>
           </a:p>
@@ -1246,7 +1246,7 @@
           <a:p>
             <a:fld id="{AE2C9CB1-3DE7-45D7-BF56-8CB768255808}" type="datetimeFigureOut">
               <a:rPr lang="uk-UA" smtClean="0"/>
-              <a:t>02.02.2018</a:t>
+              <a:t>10.02.2018</a:t>
             </a:fld>
             <a:endParaRPr lang="uk-UA"/>
           </a:p>
@@ -1288,7 +1288,7 @@
           <a:p>
             <a:fld id="{754F6729-4F87-45AF-98E0-1149DBD87F45}" type="slidenum">
               <a:rPr lang="uk-UA" smtClean="0"/>
-              <a:t>‹#›</a:t>
+              <a:t>‹№›</a:t>
             </a:fld>
             <a:endParaRPr lang="uk-UA"/>
           </a:p>
@@ -1613,7 +1613,7 @@
           <a:p>
             <a:fld id="{AE2C9CB1-3DE7-45D7-BF56-8CB768255808}" type="datetimeFigureOut">
               <a:rPr lang="uk-UA" smtClean="0"/>
-              <a:t>02.02.2018</a:t>
+              <a:t>10.02.2018</a:t>
             </a:fld>
             <a:endParaRPr lang="uk-UA"/>
           </a:p>
@@ -1655,7 +1655,7 @@
           <a:p>
             <a:fld id="{754F6729-4F87-45AF-98E0-1149DBD87F45}" type="slidenum">
               <a:rPr lang="uk-UA" smtClean="0"/>
-              <a:t>‹#›</a:t>
+              <a:t>‹№›</a:t>
             </a:fld>
             <a:endParaRPr lang="uk-UA"/>
           </a:p>
@@ -1731,7 +1731,7 @@
           <a:p>
             <a:fld id="{AE2C9CB1-3DE7-45D7-BF56-8CB768255808}" type="datetimeFigureOut">
               <a:rPr lang="uk-UA" smtClean="0"/>
-              <a:t>02.02.2018</a:t>
+              <a:t>10.02.2018</a:t>
             </a:fld>
             <a:endParaRPr lang="uk-UA"/>
           </a:p>
@@ -1773,7 +1773,7 @@
           <a:p>
             <a:fld id="{754F6729-4F87-45AF-98E0-1149DBD87F45}" type="slidenum">
               <a:rPr lang="uk-UA" smtClean="0"/>
-              <a:t>‹#›</a:t>
+              <a:t>‹№›</a:t>
             </a:fld>
             <a:endParaRPr lang="uk-UA"/>
           </a:p>
@@ -1826,7 +1826,7 @@
           <a:p>
             <a:fld id="{AE2C9CB1-3DE7-45D7-BF56-8CB768255808}" type="datetimeFigureOut">
               <a:rPr lang="uk-UA" smtClean="0"/>
-              <a:t>02.02.2018</a:t>
+              <a:t>10.02.2018</a:t>
             </a:fld>
             <a:endParaRPr lang="uk-UA"/>
           </a:p>
@@ -1868,7 +1868,7 @@
           <a:p>
             <a:fld id="{754F6729-4F87-45AF-98E0-1149DBD87F45}" type="slidenum">
               <a:rPr lang="uk-UA" smtClean="0"/>
-              <a:t>‹#›</a:t>
+              <a:t>‹№›</a:t>
             </a:fld>
             <a:endParaRPr lang="uk-UA"/>
           </a:p>
@@ -2103,7 +2103,7 @@
           <a:p>
             <a:fld id="{AE2C9CB1-3DE7-45D7-BF56-8CB768255808}" type="datetimeFigureOut">
               <a:rPr lang="uk-UA" smtClean="0"/>
-              <a:t>02.02.2018</a:t>
+              <a:t>10.02.2018</a:t>
             </a:fld>
             <a:endParaRPr lang="uk-UA"/>
           </a:p>
@@ -2145,7 +2145,7 @@
           <a:p>
             <a:fld id="{754F6729-4F87-45AF-98E0-1149DBD87F45}" type="slidenum">
               <a:rPr lang="uk-UA" smtClean="0"/>
-              <a:t>‹#›</a:t>
+              <a:t>‹№›</a:t>
             </a:fld>
             <a:endParaRPr lang="uk-UA"/>
           </a:p>
@@ -2356,7 +2356,7 @@
           <a:p>
             <a:fld id="{AE2C9CB1-3DE7-45D7-BF56-8CB768255808}" type="datetimeFigureOut">
               <a:rPr lang="uk-UA" smtClean="0"/>
-              <a:t>02.02.2018</a:t>
+              <a:t>10.02.2018</a:t>
             </a:fld>
             <a:endParaRPr lang="uk-UA"/>
           </a:p>
@@ -2398,7 +2398,7 @@
           <a:p>
             <a:fld id="{754F6729-4F87-45AF-98E0-1149DBD87F45}" type="slidenum">
               <a:rPr lang="uk-UA" smtClean="0"/>
-              <a:t>‹#›</a:t>
+              <a:t>‹№›</a:t>
             </a:fld>
             <a:endParaRPr lang="uk-UA"/>
           </a:p>
@@ -2578,7 +2578,7 @@
           <a:p>
             <a:fld id="{AE2C9CB1-3DE7-45D7-BF56-8CB768255808}" type="datetimeFigureOut">
               <a:rPr lang="uk-UA" smtClean="0"/>
-              <a:t>02.02.2018</a:t>
+              <a:t>10.02.2018</a:t>
             </a:fld>
             <a:endParaRPr lang="uk-UA"/>
           </a:p>
@@ -2656,7 +2656,7 @@
           <a:p>
             <a:fld id="{754F6729-4F87-45AF-98E0-1149DBD87F45}" type="slidenum">
               <a:rPr lang="uk-UA" smtClean="0"/>
-              <a:t>‹#›</a:t>
+              <a:t>‹№›</a:t>
             </a:fld>
             <a:endParaRPr lang="uk-UA"/>
           </a:p>
@@ -3039,8 +3039,8 @@
         </p:nvSpPr>
         <p:spPr>
           <a:xfrm>
-            <a:off x="-248528" y="2252944"/>
-            <a:ext cx="9144000" cy="1655762"/>
+            <a:off x="154745" y="1943455"/>
+            <a:ext cx="5901498" cy="2641797"/>
           </a:xfrm>
           <a:solidFill>
             <a:schemeClr val="bg1">
@@ -3061,7 +3061,16 @@
                 </a:solidFill>
                 <a:latin typeface="Bell MT" panose="02020503060305020303" pitchFamily="18" charset="0"/>
               </a:rPr>
-              <a:t>Natural Lipstick</a:t>
+              <a:t>Shop of Natural </a:t>
+            </a:r>
+            <a:r>
+              <a:rPr lang="en-US" sz="6600" dirty="0" err="1" smtClean="0">
+                <a:solidFill>
+                  <a:srgbClr val="CC0099"/>
+                </a:solidFill>
+                <a:latin typeface="Bell MT" panose="02020503060305020303" pitchFamily="18" charset="0"/>
+              </a:rPr>
+              <a:t>Lipstickt</a:t>
             </a:r>
             <a:endParaRPr lang="uk-UA" sz="6600" dirty="0">
               <a:solidFill>
@@ -3420,7 +3429,7 @@
         <p:spPr>
           <a:xfrm>
             <a:off x="838200" y="1690688"/>
-            <a:ext cx="6096000" cy="3046988"/>
+            <a:ext cx="6096000" cy="3785652"/>
           </a:xfrm>
           <a:prstGeom prst="rect">
             <a:avLst/>
@@ -3438,13 +3447,22 @@
           <a:lstStyle/>
           <a:p>
             <a:r>
+              <a:rPr lang="en-US" sz="4800" dirty="0" smtClean="0">
+                <a:solidFill>
+                  <a:srgbClr val="CC0099"/>
+                </a:solidFill>
+                <a:latin typeface="Bell MT" panose="02020503060305020303" pitchFamily="18" charset="0"/>
+              </a:rPr>
+              <a:t>Our website of </a:t>
+            </a:r>
+            <a:r>
               <a:rPr lang="en-US" sz="4800" dirty="0">
                 <a:solidFill>
                   <a:srgbClr val="CC0099"/>
                 </a:solidFill>
                 <a:latin typeface="Bell MT" panose="02020503060305020303" pitchFamily="18" charset="0"/>
               </a:rPr>
-              <a:t>Our natural lipstick is the solution, all the problems associated with the lips.. </a:t>
+              <a:t>natural lipstick is the solution, all the problems associated with the lips.. </a:t>
             </a:r>
           </a:p>
         </p:txBody>
